--- a/classes/prog2017/Prog3-Lecture07.pptx
+++ b/classes/prog2017/Prog3-Lecture07.pptx
@@ -249,7 +249,7 @@
             <a:fld id="{32335909-3D24-4715-B7D8-CE21EEF0751A}" type="datetimeFigureOut">
               <a:rPr lang="en-US" smtClean="0"/>
               <a:pPr/>
-              <a:t>9/1/2017</a:t>
+              <a:t>9/21/2017</a:t>
             </a:fld>
             <a:endParaRPr lang="en-US"/>
           </a:p>
@@ -3728,7 +3728,7 @@
             <a:fld id="{1D8BD707-D9CF-40AE-B4C6-C98DA3205C09}" type="datetimeFigureOut">
               <a:rPr lang="en-US" smtClean="0"/>
               <a:pPr/>
-              <a:t>9/1/2017</a:t>
+              <a:t>9/21/2017</a:t>
             </a:fld>
             <a:endParaRPr lang="en-US"/>
           </a:p>
@@ -3893,7 +3893,7 @@
             <a:fld id="{1D8BD707-D9CF-40AE-B4C6-C98DA3205C09}" type="datetimeFigureOut">
               <a:rPr lang="en-US" smtClean="0"/>
               <a:pPr/>
-              <a:t>9/1/2017</a:t>
+              <a:t>9/21/2017</a:t>
             </a:fld>
             <a:endParaRPr lang="en-US"/>
           </a:p>
@@ -4068,7 +4068,7 @@
             <a:fld id="{1D8BD707-D9CF-40AE-B4C6-C98DA3205C09}" type="datetimeFigureOut">
               <a:rPr lang="en-US" smtClean="0"/>
               <a:pPr/>
-              <a:t>9/1/2017</a:t>
+              <a:t>9/21/2017</a:t>
             </a:fld>
             <a:endParaRPr lang="en-US"/>
           </a:p>
@@ -4233,7 +4233,7 @@
             <a:fld id="{1D8BD707-D9CF-40AE-B4C6-C98DA3205C09}" type="datetimeFigureOut">
               <a:rPr lang="en-US" smtClean="0"/>
               <a:pPr/>
-              <a:t>9/1/2017</a:t>
+              <a:t>9/21/2017</a:t>
             </a:fld>
             <a:endParaRPr lang="en-US"/>
           </a:p>
@@ -4475,7 +4475,7 @@
             <a:fld id="{1D8BD707-D9CF-40AE-B4C6-C98DA3205C09}" type="datetimeFigureOut">
               <a:rPr lang="en-US" smtClean="0"/>
               <a:pPr/>
-              <a:t>9/1/2017</a:t>
+              <a:t>9/21/2017</a:t>
             </a:fld>
             <a:endParaRPr lang="en-US"/>
           </a:p>
@@ -4757,7 +4757,7 @@
             <a:fld id="{1D8BD707-D9CF-40AE-B4C6-C98DA3205C09}" type="datetimeFigureOut">
               <a:rPr lang="en-US" smtClean="0"/>
               <a:pPr/>
-              <a:t>9/1/2017</a:t>
+              <a:t>9/21/2017</a:t>
             </a:fld>
             <a:endParaRPr lang="en-US"/>
           </a:p>
@@ -5173,7 +5173,7 @@
             <a:fld id="{1D8BD707-D9CF-40AE-B4C6-C98DA3205C09}" type="datetimeFigureOut">
               <a:rPr lang="en-US" smtClean="0"/>
               <a:pPr/>
-              <a:t>9/1/2017</a:t>
+              <a:t>9/21/2017</a:t>
             </a:fld>
             <a:endParaRPr lang="en-US"/>
           </a:p>
@@ -5287,7 +5287,7 @@
             <a:fld id="{1D8BD707-D9CF-40AE-B4C6-C98DA3205C09}" type="datetimeFigureOut">
               <a:rPr lang="en-US" smtClean="0"/>
               <a:pPr/>
-              <a:t>9/1/2017</a:t>
+              <a:t>9/21/2017</a:t>
             </a:fld>
             <a:endParaRPr lang="en-US"/>
           </a:p>
@@ -5379,7 +5379,7 @@
             <a:fld id="{1D8BD707-D9CF-40AE-B4C6-C98DA3205C09}" type="datetimeFigureOut">
               <a:rPr lang="en-US" smtClean="0"/>
               <a:pPr/>
-              <a:t>9/1/2017</a:t>
+              <a:t>9/21/2017</a:t>
             </a:fld>
             <a:endParaRPr lang="en-US"/>
           </a:p>
@@ -5651,7 +5651,7 @@
             <a:fld id="{1D8BD707-D9CF-40AE-B4C6-C98DA3205C09}" type="datetimeFigureOut">
               <a:rPr lang="en-US" smtClean="0"/>
               <a:pPr/>
-              <a:t>9/1/2017</a:t>
+              <a:t>9/21/2017</a:t>
             </a:fld>
             <a:endParaRPr lang="en-US"/>
           </a:p>
@@ -5900,7 +5900,7 @@
             <a:fld id="{1D8BD707-D9CF-40AE-B4C6-C98DA3205C09}" type="datetimeFigureOut">
               <a:rPr lang="en-US" smtClean="0"/>
               <a:pPr/>
-              <a:t>9/1/2017</a:t>
+              <a:t>9/21/2017</a:t>
             </a:fld>
             <a:endParaRPr lang="en-US"/>
           </a:p>
@@ -6108,7 +6108,7 @@
             <a:fld id="{1D8BD707-D9CF-40AE-B4C6-C98DA3205C09}" type="datetimeFigureOut">
               <a:rPr lang="en-US" smtClean="0"/>
               <a:pPr/>
-              <a:t>9/1/2017</a:t>
+              <a:t>9/21/2017</a:t>
             </a:fld>
             <a:endParaRPr lang="en-US"/>
           </a:p>
@@ -16650,7 +16650,7 @@
           <a:p>
             <a:r>
               <a:rPr lang="en-US" dirty="0"/>
-              <a:t>A class can only extend on class </a:t>
+              <a:t>A class can only extend one class </a:t>
             </a:r>
           </a:p>
           <a:p>
